--- a/2018741053_장홍기_교수님제출.pptx
+++ b/2018741053_장홍기_교수님제출.pptx
@@ -216,7 +216,7 @@
           <a:p>
             <a:fld id="{3CD5F9AF-780E-46E2-BDBD-54E705A46A40}" type="datetimeFigureOut">
               <a:rPr lang="ko-KR" altLang="en-US" smtClean="0"/>
-              <a:t>2022-02-26</a:t>
+              <a:t>2024-06-09</a:t>
             </a:fld>
             <a:endParaRPr lang="ko-KR" altLang="en-US"/>
           </a:p>
@@ -393,7 +393,7 @@
           <a:p>
             <a:fld id="{54DC09E2-159C-4595-872A-49B454841298}" type="datetimeFigureOut">
               <a:rPr lang="ko-KR" altLang="en-US" smtClean="0"/>
-              <a:t>2022-02-26</a:t>
+              <a:t>2024-06-09</a:t>
             </a:fld>
             <a:endParaRPr lang="ko-KR" altLang="en-US"/>
           </a:p>
@@ -2263,31 +2263,6 @@
           <a:chExt cx="0" cy="0"/>
         </a:xfrm>
       </p:grpSpPr>
-      <p:sp>
-        <p:nvSpPr>
-          <p:cNvPr id="2" name="제목 1">
-            <a:extLst>
-              <a:ext uri="{FF2B5EF4-FFF2-40B4-BE49-F238E27FC236}">
-                <a16:creationId xmlns:a16="http://schemas.microsoft.com/office/drawing/2014/main" id="{BF7B2142-5D63-44B2-AF4A-6F747EEBDCA2}"/>
-              </a:ext>
-            </a:extLst>
-          </p:cNvPr>
-          <p:cNvSpPr>
-            <a:spLocks noGrp="1"/>
-          </p:cNvSpPr>
-          <p:nvPr>
-            <p:ph type="title"/>
-          </p:nvPr>
-        </p:nvSpPr>
-        <p:spPr/>
-        <p:txBody>
-          <a:bodyPr/>
-          <a:lstStyle/>
-          <a:p>
-            <a:endParaRPr lang="ko-KR" altLang="en-US" dirty="0"/>
-          </a:p>
-        </p:txBody>
-      </p:sp>
       <p:sp>
         <p:nvSpPr>
           <p:cNvPr id="4" name="슬라이드 번호 개체 틀 3">
